--- a/content/teaching/v202/slides/8_Externalities2.pptx
+++ b/content/teaching/v202/slides/8_Externalities2.pptx
@@ -171,6 +171,35 @@
 </p:presentation>
 </file>
 
+<file path=ppt/changesInfos/changesInfo1.xml><?xml version="1.0" encoding="utf-8"?>
+<pc:chgInfo xmlns:a="http://schemas.openxmlformats.org/drawingml/2006/main" xmlns:r="http://schemas.openxmlformats.org/officeDocument/2006/relationships" xmlns:ac="http://schemas.microsoft.com/office/drawing/2013/main/command" xmlns:pc="http://schemas.microsoft.com/office/powerpoint/2013/main/command">
+  <pc:docChgLst>
+    <pc:chgData name="Navarro Ulloa, Luis Enrique" userId="adde1b74-f296-445a-8659-1214c6e2ca22" providerId="ADAL" clId="{D81080C5-0BE3-8B45-87CA-594BAC93D14D}"/>
+    <pc:docChg chg="custSel modSld">
+      <pc:chgData name="Navarro Ulloa, Luis Enrique" userId="adde1b74-f296-445a-8659-1214c6e2ca22" providerId="ADAL" clId="{D81080C5-0BE3-8B45-87CA-594BAC93D14D}" dt="2024-08-20T15:58:32.354" v="8" actId="20577"/>
+      <pc:docMkLst>
+        <pc:docMk/>
+      </pc:docMkLst>
+      <pc:sldChg chg="modSp mod modAnim">
+        <pc:chgData name="Navarro Ulloa, Luis Enrique" userId="adde1b74-f296-445a-8659-1214c6e2ca22" providerId="ADAL" clId="{D81080C5-0BE3-8B45-87CA-594BAC93D14D}" dt="2024-08-20T15:58:32.354" v="8" actId="20577"/>
+        <pc:sldMkLst>
+          <pc:docMk/>
+          <pc:sldMk cId="2723586299" sldId="488"/>
+        </pc:sldMkLst>
+        <pc:spChg chg="mod">
+          <ac:chgData name="Navarro Ulloa, Luis Enrique" userId="adde1b74-f296-445a-8659-1214c6e2ca22" providerId="ADAL" clId="{D81080C5-0BE3-8B45-87CA-594BAC93D14D}" dt="2024-08-20T15:58:32.354" v="8" actId="20577"/>
+          <ac:spMkLst>
+            <pc:docMk/>
+            <pc:sldMk cId="2723586299" sldId="488"/>
+            <ac:spMk id="29" creationId="{3DCD8C22-0BA2-1FB7-3948-72DFE0F15594}"/>
+          </ac:spMkLst>
+        </pc:spChg>
+      </pc:sldChg>
+    </pc:docChg>
+  </pc:docChgLst>
+</pc:chgInfo>
+</file>
+
 <file path=ppt/handoutMasters/handoutMaster1.xml><?xml version="1.0" encoding="utf-8"?>
 <p:handoutMaster xmlns:a="http://schemas.openxmlformats.org/drawingml/2006/main" xmlns:r="http://schemas.openxmlformats.org/officeDocument/2006/relationships" xmlns:p="http://schemas.openxmlformats.org/presentationml/2006/main">
   <p:cSld>
@@ -253,7 +282,7 @@
           <a:p>
             <a:fld id="{C87859BD-4604-2843-976C-9F2DEE3C79DB}" type="datetimeFigureOut">
               <a:rPr lang="en-US" smtClean="0"/>
-              <a:t>2/15/2023</a:t>
+              <a:t>8/20/24</a:t>
             </a:fld>
             <a:endParaRPr lang="en-US"/>
           </a:p>
@@ -418,7 +447,7 @@
           <a:p>
             <a:fld id="{DE108F45-8DB7-E449-85E4-EC04F96DF3AA}" type="datetimeFigureOut">
               <a:rPr lang="en-US" smtClean="0"/>
-              <a:t>2/15/2023</a:t>
+              <a:t>8/20/24</a:t>
             </a:fld>
             <a:endParaRPr lang="en-US"/>
           </a:p>
@@ -17120,7 +17149,7 @@
         </p:spPr>
         <p:txBody>
           <a:bodyPr vert="horz" lIns="91440" tIns="45720" rIns="91440" bIns="45720" rtlCol="0">
-            <a:normAutofit fontScale="92500" lnSpcReduction="10000"/>
+            <a:normAutofit/>
           </a:bodyPr>
           <a:lstStyle>
             <a:lvl1pPr marL="342900" indent="-342900" algn="l" defTabSz="457200" rtl="0" eaLnBrk="1" latinLnBrk="0" hangingPunct="1">
@@ -17305,76 +17334,16 @@
               <a:buChar char="§"/>
             </a:pPr>
             <a:r>
+              <a:rPr lang="en-US" sz="1400" b="1">
+                <a:cs typeface="Times New Roman" panose="02020603050405020304" pitchFamily="18" charset="0"/>
+              </a:rPr>
+              <a:t>Readings</a:t>
+            </a:r>
+            <a:r>
               <a:rPr lang="en-US" sz="1400" b="1" dirty="0">
                 <a:cs typeface="Times New Roman" panose="02020603050405020304" pitchFamily="18" charset="0"/>
               </a:rPr>
-              <a:t>On the Next Episode: </a:t>
-            </a:r>
-            <a:r>
-              <a:rPr lang="en-US" sz="1400" dirty="0">
-                <a:cs typeface="Times New Roman" panose="02020603050405020304" pitchFamily="18" charset="0"/>
-              </a:rPr>
-              <a:t>Pre-Midterm Review. </a:t>
-            </a:r>
-          </a:p>
-          <a:p>
-            <a:pPr>
-              <a:buClr>
-                <a:srgbClr val="690304"/>
-              </a:buClr>
-              <a:buFont typeface="Wingdings" panose="05000000000000000000" pitchFamily="2" charset="2"/>
-              <a:buChar char="§"/>
-            </a:pPr>
-            <a:r>
-              <a:rPr lang="en-US" sz="1400" b="1" dirty="0">
-                <a:cs typeface="Times New Roman" panose="02020603050405020304" pitchFamily="18" charset="0"/>
-              </a:rPr>
-              <a:t>Assignment 3: </a:t>
-            </a:r>
-            <a:r>
-              <a:rPr lang="en-US" sz="1400" dirty="0">
-                <a:cs typeface="Times New Roman" panose="02020603050405020304" pitchFamily="18" charset="0"/>
-              </a:rPr>
-              <a:t>due Sunday. </a:t>
-            </a:r>
-          </a:p>
-          <a:p>
-            <a:pPr>
-              <a:buClr>
-                <a:srgbClr val="690304"/>
-              </a:buClr>
-              <a:buFont typeface="Wingdings" panose="05000000000000000000" pitchFamily="2" charset="2"/>
-              <a:buChar char="§"/>
-            </a:pPr>
-            <a:r>
-              <a:rPr lang="en-US" sz="1400" b="1" dirty="0">
-                <a:cs typeface="Times New Roman" panose="02020603050405020304" pitchFamily="18" charset="0"/>
-              </a:rPr>
-              <a:t>Weekly discussion: </a:t>
-            </a:r>
-            <a:r>
-              <a:rPr lang="en-US" sz="1400" dirty="0">
-                <a:cs typeface="Times New Roman" panose="02020603050405020304" pitchFamily="18" charset="0"/>
-              </a:rPr>
-              <a:t>is out</a:t>
-            </a:r>
-            <a:endParaRPr lang="en-US" sz="1400" b="1" dirty="0">
-              <a:cs typeface="Times New Roman" panose="02020603050405020304" pitchFamily="18" charset="0"/>
-            </a:endParaRPr>
-          </a:p>
-          <a:p>
-            <a:pPr>
-              <a:buClr>
-                <a:srgbClr val="690304"/>
-              </a:buClr>
-              <a:buFont typeface="Wingdings" panose="05000000000000000000" pitchFamily="2" charset="2"/>
-              <a:buChar char="§"/>
-            </a:pPr>
-            <a:r>
-              <a:rPr lang="en-US" sz="1400" b="1" dirty="0">
-                <a:cs typeface="Times New Roman" panose="02020603050405020304" pitchFamily="18" charset="0"/>
-              </a:rPr>
-              <a:t>Readings: </a:t>
+              <a:t>: </a:t>
             </a:r>
             <a:r>
               <a:rPr lang="en-US" sz="1400" dirty="0">
@@ -17382,145 +17351,6 @@
               </a:rPr>
               <a:t>Mankiw 10. Gruber 5 and 6. Stiglitz &amp; Rosengard 6</a:t>
             </a:r>
-          </a:p>
-          <a:p>
-            <a:pPr>
-              <a:buClr>
-                <a:srgbClr val="690304"/>
-              </a:buClr>
-              <a:buFont typeface="Wingdings" panose="05000000000000000000" pitchFamily="2" charset="2"/>
-              <a:buChar char="§"/>
-            </a:pPr>
-            <a:r>
-              <a:rPr lang="en-US" sz="1400" b="1" dirty="0">
-                <a:highlight>
-                  <a:srgbClr val="FFFF00"/>
-                </a:highlight>
-                <a:cs typeface="Times New Roman" panose="02020603050405020304" pitchFamily="18" charset="0"/>
-              </a:rPr>
-              <a:t>Review Class: </a:t>
-            </a:r>
-            <a:r>
-              <a:rPr lang="en-US" sz="1400" dirty="0">
-                <a:highlight>
-                  <a:srgbClr val="FFFF00"/>
-                </a:highlight>
-                <a:cs typeface="Times New Roman" panose="02020603050405020304" pitchFamily="18" charset="0"/>
-              </a:rPr>
-              <a:t>Monday February 20</a:t>
-            </a:r>
-            <a:r>
-              <a:rPr lang="en-US" sz="1400" baseline="30000" dirty="0">
-                <a:highlight>
-                  <a:srgbClr val="FFFF00"/>
-                </a:highlight>
-                <a:cs typeface="Times New Roman" panose="02020603050405020304" pitchFamily="18" charset="0"/>
-              </a:rPr>
-              <a:t>th </a:t>
-            </a:r>
-            <a:r>
-              <a:rPr lang="en-US" sz="1400" dirty="0">
-                <a:highlight>
-                  <a:srgbClr val="FFFF00"/>
-                </a:highlight>
-                <a:cs typeface="Times New Roman" panose="02020603050405020304" pitchFamily="18" charset="0"/>
-              </a:rPr>
-              <a:t> Come with questions!</a:t>
-            </a:r>
-          </a:p>
-          <a:p>
-            <a:pPr>
-              <a:buClr>
-                <a:srgbClr val="690304"/>
-              </a:buClr>
-              <a:buFont typeface="Wingdings" panose="05000000000000000000" pitchFamily="2" charset="2"/>
-              <a:buChar char="§"/>
-            </a:pPr>
-            <a:r>
-              <a:rPr lang="en-US" sz="1400" dirty="0">
-                <a:cs typeface="Times New Roman" panose="02020603050405020304" pitchFamily="18" charset="0"/>
-              </a:rPr>
-              <a:t>Want some extra credit? Answer this survey by this Sunday! </a:t>
-            </a:r>
-            <a:r>
-              <a:rPr lang="en-US" sz="1400" dirty="0">
-                <a:cs typeface="Times New Roman" panose="02020603050405020304" pitchFamily="18" charset="0"/>
-                <a:hlinkClick r:id="rId2"/>
-              </a:rPr>
-              <a:t>https://iu.instructure.com/courses/2126680/quizzes/3810364</a:t>
-            </a:r>
-            <a:r>
-              <a:rPr lang="en-US" sz="1400" dirty="0">
-                <a:cs typeface="Times New Roman" panose="02020603050405020304" pitchFamily="18" charset="0"/>
-              </a:rPr>
-              <a:t> </a:t>
-            </a:r>
-          </a:p>
-          <a:p>
-            <a:pPr>
-              <a:buClr>
-                <a:srgbClr val="690304"/>
-              </a:buClr>
-              <a:buFont typeface="Wingdings" panose="05000000000000000000" pitchFamily="2" charset="2"/>
-              <a:buChar char="§"/>
-            </a:pPr>
-            <a:r>
-              <a:rPr lang="en-US" sz="1400" b="1" dirty="0">
-                <a:highlight>
-                  <a:srgbClr val="FFFF00"/>
-                </a:highlight>
-                <a:cs typeface="Times New Roman" panose="02020603050405020304" pitchFamily="18" charset="0"/>
-              </a:rPr>
-              <a:t>Midterm Exam: </a:t>
-            </a:r>
-            <a:r>
-              <a:rPr lang="en-US" sz="1400" dirty="0">
-                <a:highlight>
-                  <a:srgbClr val="FFFF00"/>
-                </a:highlight>
-                <a:cs typeface="Times New Roman" panose="02020603050405020304" pitchFamily="18" charset="0"/>
-              </a:rPr>
-              <a:t>Wednesday February 22</a:t>
-            </a:r>
-            <a:r>
-              <a:rPr lang="en-US" sz="1400" baseline="30000" dirty="0">
-                <a:highlight>
-                  <a:srgbClr val="FFFF00"/>
-                </a:highlight>
-                <a:cs typeface="Times New Roman" panose="02020603050405020304" pitchFamily="18" charset="0"/>
-              </a:rPr>
-              <a:t>th </a:t>
-            </a:r>
-            <a:endParaRPr lang="en-US" sz="1400" b="1" dirty="0">
-              <a:latin typeface="+mn-lt"/>
-              <a:cs typeface="Times New Roman" panose="02020603050405020304" pitchFamily="18" charset="0"/>
-            </a:endParaRPr>
-          </a:p>
-          <a:p>
-            <a:pPr>
-              <a:buClr>
-                <a:srgbClr val="690304"/>
-              </a:buClr>
-              <a:buFont typeface="Wingdings" panose="05000000000000000000" pitchFamily="2" charset="2"/>
-              <a:buChar char="§"/>
-            </a:pPr>
-            <a:endParaRPr lang="en-US" sz="1400" dirty="0">
-              <a:latin typeface="+mn-lt"/>
-              <a:cs typeface="Times New Roman" panose="02020603050405020304" pitchFamily="18" charset="0"/>
-            </a:endParaRPr>
-          </a:p>
-          <a:p>
-            <a:pPr>
-              <a:buClr>
-                <a:srgbClr val="690304"/>
-              </a:buClr>
-              <a:buFont typeface="Wingdings" panose="05000000000000000000" pitchFamily="2" charset="2"/>
-              <a:buChar char="§"/>
-            </a:pPr>
-            <a:endParaRPr lang="en-US" sz="1400" dirty="0">
-              <a:latin typeface="+mn-lt"/>
-              <a:cs typeface="Times New Roman" panose="02020603050405020304" pitchFamily="18" charset="0"/>
-            </a:endParaRPr>
           </a:p>
         </p:txBody>
       </p:sp>
@@ -17571,300 +17401,6 @@
                                           <p:spTgt spid="29">
                                             <p:txEl>
                                               <p:pRg st="0" end="0"/>
-                                            </p:txEl>
-                                          </p:spTgt>
-                                        </p:tgtEl>
-                                        <p:attrNameLst>
-                                          <p:attrName>style.visibility</p:attrName>
-                                        </p:attrNameLst>
-                                      </p:cBhvr>
-                                      <p:to>
-                                        <p:strVal val="visible"/>
-                                      </p:to>
-                                    </p:set>
-                                  </p:childTnLst>
-                                </p:cTn>
-                              </p:par>
-                            </p:childTnLst>
-                          </p:cTn>
-                        </p:par>
-                      </p:childTnLst>
-                    </p:cTn>
-                  </p:par>
-                  <p:par>
-                    <p:cTn id="7" fill="hold">
-                      <p:stCondLst>
-                        <p:cond delay="indefinite"/>
-                      </p:stCondLst>
-                      <p:childTnLst>
-                        <p:par>
-                          <p:cTn id="8" fill="hold">
-                            <p:stCondLst>
-                              <p:cond delay="0"/>
-                            </p:stCondLst>
-                            <p:childTnLst>
-                              <p:par>
-                                <p:cTn id="9" presetID="1" presetClass="entr" presetSubtype="0" fill="hold" grpId="0" nodeType="clickEffect">
-                                  <p:stCondLst>
-                                    <p:cond delay="0"/>
-                                  </p:stCondLst>
-                                  <p:childTnLst>
-                                    <p:set>
-                                      <p:cBhvr>
-                                        <p:cTn id="10" dur="1" fill="hold">
-                                          <p:stCondLst>
-                                            <p:cond delay="0"/>
-                                          </p:stCondLst>
-                                        </p:cTn>
-                                        <p:tgtEl>
-                                          <p:spTgt spid="29">
-                                            <p:txEl>
-                                              <p:pRg st="1" end="1"/>
-                                            </p:txEl>
-                                          </p:spTgt>
-                                        </p:tgtEl>
-                                        <p:attrNameLst>
-                                          <p:attrName>style.visibility</p:attrName>
-                                        </p:attrNameLst>
-                                      </p:cBhvr>
-                                      <p:to>
-                                        <p:strVal val="visible"/>
-                                      </p:to>
-                                    </p:set>
-                                  </p:childTnLst>
-                                </p:cTn>
-                              </p:par>
-                            </p:childTnLst>
-                          </p:cTn>
-                        </p:par>
-                      </p:childTnLst>
-                    </p:cTn>
-                  </p:par>
-                  <p:par>
-                    <p:cTn id="11" fill="hold">
-                      <p:stCondLst>
-                        <p:cond delay="indefinite"/>
-                      </p:stCondLst>
-                      <p:childTnLst>
-                        <p:par>
-                          <p:cTn id="12" fill="hold">
-                            <p:stCondLst>
-                              <p:cond delay="0"/>
-                            </p:stCondLst>
-                            <p:childTnLst>
-                              <p:par>
-                                <p:cTn id="13" presetID="1" presetClass="entr" presetSubtype="0" fill="hold" grpId="0" nodeType="clickEffect">
-                                  <p:stCondLst>
-                                    <p:cond delay="0"/>
-                                  </p:stCondLst>
-                                  <p:childTnLst>
-                                    <p:set>
-                                      <p:cBhvr>
-                                        <p:cTn id="14" dur="1" fill="hold">
-                                          <p:stCondLst>
-                                            <p:cond delay="0"/>
-                                          </p:stCondLst>
-                                        </p:cTn>
-                                        <p:tgtEl>
-                                          <p:spTgt spid="29">
-                                            <p:txEl>
-                                              <p:pRg st="2" end="2"/>
-                                            </p:txEl>
-                                          </p:spTgt>
-                                        </p:tgtEl>
-                                        <p:attrNameLst>
-                                          <p:attrName>style.visibility</p:attrName>
-                                        </p:attrNameLst>
-                                      </p:cBhvr>
-                                      <p:to>
-                                        <p:strVal val="visible"/>
-                                      </p:to>
-                                    </p:set>
-                                  </p:childTnLst>
-                                </p:cTn>
-                              </p:par>
-                            </p:childTnLst>
-                          </p:cTn>
-                        </p:par>
-                      </p:childTnLst>
-                    </p:cTn>
-                  </p:par>
-                  <p:par>
-                    <p:cTn id="15" fill="hold">
-                      <p:stCondLst>
-                        <p:cond delay="indefinite"/>
-                      </p:stCondLst>
-                      <p:childTnLst>
-                        <p:par>
-                          <p:cTn id="16" fill="hold">
-                            <p:stCondLst>
-                              <p:cond delay="0"/>
-                            </p:stCondLst>
-                            <p:childTnLst>
-                              <p:par>
-                                <p:cTn id="17" presetID="1" presetClass="entr" presetSubtype="0" fill="hold" grpId="0" nodeType="clickEffect">
-                                  <p:stCondLst>
-                                    <p:cond delay="0"/>
-                                  </p:stCondLst>
-                                  <p:childTnLst>
-                                    <p:set>
-                                      <p:cBhvr>
-                                        <p:cTn id="18" dur="1" fill="hold">
-                                          <p:stCondLst>
-                                            <p:cond delay="0"/>
-                                          </p:stCondLst>
-                                        </p:cTn>
-                                        <p:tgtEl>
-                                          <p:spTgt spid="29">
-                                            <p:txEl>
-                                              <p:pRg st="3" end="3"/>
-                                            </p:txEl>
-                                          </p:spTgt>
-                                        </p:tgtEl>
-                                        <p:attrNameLst>
-                                          <p:attrName>style.visibility</p:attrName>
-                                        </p:attrNameLst>
-                                      </p:cBhvr>
-                                      <p:to>
-                                        <p:strVal val="visible"/>
-                                      </p:to>
-                                    </p:set>
-                                  </p:childTnLst>
-                                </p:cTn>
-                              </p:par>
-                            </p:childTnLst>
-                          </p:cTn>
-                        </p:par>
-                      </p:childTnLst>
-                    </p:cTn>
-                  </p:par>
-                  <p:par>
-                    <p:cTn id="19" fill="hold">
-                      <p:stCondLst>
-                        <p:cond delay="indefinite"/>
-                      </p:stCondLst>
-                      <p:childTnLst>
-                        <p:par>
-                          <p:cTn id="20" fill="hold">
-                            <p:stCondLst>
-                              <p:cond delay="0"/>
-                            </p:stCondLst>
-                            <p:childTnLst>
-                              <p:par>
-                                <p:cTn id="21" presetID="1" presetClass="entr" presetSubtype="0" fill="hold" grpId="0" nodeType="clickEffect">
-                                  <p:stCondLst>
-                                    <p:cond delay="0"/>
-                                  </p:stCondLst>
-                                  <p:childTnLst>
-                                    <p:set>
-                                      <p:cBhvr>
-                                        <p:cTn id="22" dur="1" fill="hold">
-                                          <p:stCondLst>
-                                            <p:cond delay="0"/>
-                                          </p:stCondLst>
-                                        </p:cTn>
-                                        <p:tgtEl>
-                                          <p:spTgt spid="29">
-                                            <p:txEl>
-                                              <p:pRg st="4" end="4"/>
-                                            </p:txEl>
-                                          </p:spTgt>
-                                        </p:tgtEl>
-                                        <p:attrNameLst>
-                                          <p:attrName>style.visibility</p:attrName>
-                                        </p:attrNameLst>
-                                      </p:cBhvr>
-                                      <p:to>
-                                        <p:strVal val="visible"/>
-                                      </p:to>
-                                    </p:set>
-                                  </p:childTnLst>
-                                </p:cTn>
-                              </p:par>
-                            </p:childTnLst>
-                          </p:cTn>
-                        </p:par>
-                      </p:childTnLst>
-                    </p:cTn>
-                  </p:par>
-                  <p:par>
-                    <p:cTn id="23" fill="hold">
-                      <p:stCondLst>
-                        <p:cond delay="indefinite"/>
-                      </p:stCondLst>
-                      <p:childTnLst>
-                        <p:par>
-                          <p:cTn id="24" fill="hold">
-                            <p:stCondLst>
-                              <p:cond delay="0"/>
-                            </p:stCondLst>
-                            <p:childTnLst>
-                              <p:par>
-                                <p:cTn id="25" presetID="1" presetClass="entr" presetSubtype="0" fill="hold" grpId="0" nodeType="clickEffect">
-                                  <p:stCondLst>
-                                    <p:cond delay="0"/>
-                                  </p:stCondLst>
-                                  <p:childTnLst>
-                                    <p:set>
-                                      <p:cBhvr>
-                                        <p:cTn id="26" dur="1" fill="hold">
-                                          <p:stCondLst>
-                                            <p:cond delay="0"/>
-                                          </p:stCondLst>
-                                        </p:cTn>
-                                        <p:tgtEl>
-                                          <p:spTgt spid="29">
-                                            <p:txEl>
-                                              <p:pRg st="5" end="5"/>
-                                            </p:txEl>
-                                          </p:spTgt>
-                                        </p:tgtEl>
-                                        <p:attrNameLst>
-                                          <p:attrName>style.visibility</p:attrName>
-                                        </p:attrNameLst>
-                                      </p:cBhvr>
-                                      <p:to>
-                                        <p:strVal val="visible"/>
-                                      </p:to>
-                                    </p:set>
-                                  </p:childTnLst>
-                                </p:cTn>
-                              </p:par>
-                            </p:childTnLst>
-                          </p:cTn>
-                        </p:par>
-                      </p:childTnLst>
-                    </p:cTn>
-                  </p:par>
-                  <p:par>
-                    <p:cTn id="27" fill="hold">
-                      <p:stCondLst>
-                        <p:cond delay="indefinite"/>
-                      </p:stCondLst>
-                      <p:childTnLst>
-                        <p:par>
-                          <p:cTn id="28" fill="hold">
-                            <p:stCondLst>
-                              <p:cond delay="0"/>
-                            </p:stCondLst>
-                            <p:childTnLst>
-                              <p:par>
-                                <p:cTn id="29" presetID="1" presetClass="entr" presetSubtype="0" fill="hold" grpId="0" nodeType="clickEffect">
-                                  <p:stCondLst>
-                                    <p:cond delay="0"/>
-                                  </p:stCondLst>
-                                  <p:childTnLst>
-                                    <p:set>
-                                      <p:cBhvr>
-                                        <p:cTn id="30" dur="1" fill="hold">
-                                          <p:stCondLst>
-                                            <p:cond delay="0"/>
-                                          </p:stCondLst>
-                                        </p:cTn>
-                                        <p:tgtEl>
-                                          <p:spTgt spid="29">
-                                            <p:txEl>
-                                              <p:pRg st="6" end="6"/>
                                             </p:txEl>
                                           </p:spTgt>
                                         </p:tgtEl>
@@ -21717,7 +21253,7 @@
             </a:pPr>
             <a:r>
               <a:rPr lang="en-US" sz="1400" dirty="0"/>
-              <a:t>Suppliers are willing to buy the toxic waste so long the price of one unit of toxic waste is lower than the additional revenue induced by the reduction of such unit of toxic waste in the river. </a:t>
+              <a:t>Suppliers are willing to buy the toxic waste so long the price of one unit of toxic waste is not larger than the additional revenue induced by the reduction of such unit of toxic waste in the river. </a:t>
             </a:r>
           </a:p>
         </p:txBody>
@@ -23957,6 +23493,12 @@
 </file>
 
 <file path=customXml/item1.xml><?xml version="1.0" encoding="utf-8"?>
+<p:properties xmlns:p="http://schemas.microsoft.com/office/2006/metadata/properties" xmlns:xsi="http://www.w3.org/2001/XMLSchema-instance" xmlns:pc="http://schemas.microsoft.com/office/infopath/2007/PartnerControls">
+  <documentManagement/>
+</p:properties>
+</file>
+
+<file path=customXml/item2.xml><?xml version="1.0" encoding="utf-8"?>
 <ct:contentTypeSchema xmlns:ct="http://schemas.microsoft.com/office/2006/metadata/contentType" xmlns:ma="http://schemas.microsoft.com/office/2006/metadata/properties/metaAttributes" ct:_="" ma:_="" ma:contentTypeName="Document" ma:contentTypeID="0x010100774F5D463876B2498F216835DB1298F6" ma:contentTypeVersion="13" ma:contentTypeDescription="Create a new document." ma:contentTypeScope="" ma:versionID="7957ea766adc7a1f8ada85e1f16c5ad0">
   <xsd:schema xmlns:xsd="http://www.w3.org/2001/XMLSchema" xmlns:xs="http://www.w3.org/2001/XMLSchema" xmlns:p="http://schemas.microsoft.com/office/2006/metadata/properties" xmlns:ns2="82db8b44-0703-48fc-920e-285d3f66b75e" xmlns:ns3="8db4f6ed-281a-40b3-a3a6-248115f75364" targetNamespace="http://schemas.microsoft.com/office/2006/metadata/properties" ma:root="true" ma:fieldsID="51c19d7e075a31899c1cd216db6b60db" ns2:_="" ns3:_="">
     <xsd:import namespace="82db8b44-0703-48fc-920e-285d3f66b75e"/>
@@ -24179,12 +23721,6 @@
 </ct:contentTypeSchema>
 </file>
 
-<file path=customXml/item2.xml><?xml version="1.0" encoding="utf-8"?>
-<p:properties xmlns:p="http://schemas.microsoft.com/office/2006/metadata/properties" xmlns:xsi="http://www.w3.org/2001/XMLSchema-instance" xmlns:pc="http://schemas.microsoft.com/office/infopath/2007/PartnerControls">
-  <documentManagement/>
-</p:properties>
-</file>
-
 <file path=customXml/item3.xml><?xml version="1.0" encoding="utf-8"?>
 <?mso-contentType ?>
 <FormTemplates xmlns="http://schemas.microsoft.com/sharepoint/v3/contenttype/forms">
@@ -24195,6 +23731,23 @@
 </file>
 
 <file path=customXml/itemProps1.xml><?xml version="1.0" encoding="utf-8"?>
+<ds:datastoreItem xmlns:ds="http://schemas.openxmlformats.org/officeDocument/2006/customXml" ds:itemID="{7B6F2769-7194-4217-93D3-3AF3A4742282}">
+  <ds:schemaRefs>
+    <ds:schemaRef ds:uri="http://schemas.openxmlformats.org/package/2006/metadata/core-properties"/>
+    <ds:schemaRef ds:uri="http://purl.org/dc/terms/"/>
+    <ds:schemaRef ds:uri="http://purl.org/dc/elements/1.1/"/>
+    <ds:schemaRef ds:uri="http://schemas.microsoft.com/office/2006/documentManagement/types"/>
+    <ds:schemaRef ds:uri="http://schemas.microsoft.com/office/2006/metadata/properties"/>
+    <ds:schemaRef ds:uri="http://schemas.microsoft.com/office/infopath/2007/PartnerControls"/>
+    <ds:schemaRef ds:uri="http://www.w3.org/XML/1998/namespace"/>
+    <ds:schemaRef ds:uri="8db4f6ed-281a-40b3-a3a6-248115f75364"/>
+    <ds:schemaRef ds:uri="82db8b44-0703-48fc-920e-285d3f66b75e"/>
+    <ds:schemaRef ds:uri="http://purl.org/dc/dcmitype/"/>
+  </ds:schemaRefs>
+</ds:datastoreItem>
+</file>
+
+<file path=customXml/itemProps2.xml><?xml version="1.0" encoding="utf-8"?>
 <ds:datastoreItem xmlns:ds="http://schemas.openxmlformats.org/officeDocument/2006/customXml" ds:itemID="{00CDEACD-F46F-495A-8810-85205DBC3305}">
   <ds:schemaRefs>
     <ds:schemaRef ds:uri="http://schemas.microsoft.com/office/2006/metadata/contentType"/>
@@ -24213,23 +23766,6 @@
 </ds:datastoreItem>
 </file>
 
-<file path=customXml/itemProps2.xml><?xml version="1.0" encoding="utf-8"?>
-<ds:datastoreItem xmlns:ds="http://schemas.openxmlformats.org/officeDocument/2006/customXml" ds:itemID="{7B6F2769-7194-4217-93D3-3AF3A4742282}">
-  <ds:schemaRefs>
-    <ds:schemaRef ds:uri="http://purl.org/dc/elements/1.1/"/>
-    <ds:schemaRef ds:uri="http://schemas.openxmlformats.org/package/2006/metadata/core-properties"/>
-    <ds:schemaRef ds:uri="http://purl.org/dc/dcmitype/"/>
-    <ds:schemaRef ds:uri="http://purl.org/dc/terms/"/>
-    <ds:schemaRef ds:uri="http://www.w3.org/XML/1998/namespace"/>
-    <ds:schemaRef ds:uri="8db4f6ed-281a-40b3-a3a6-248115f75364"/>
-    <ds:schemaRef ds:uri="http://schemas.microsoft.com/office/2006/metadata/properties"/>
-    <ds:schemaRef ds:uri="http://schemas.microsoft.com/office/2006/documentManagement/types"/>
-    <ds:schemaRef ds:uri="http://schemas.microsoft.com/office/infopath/2007/PartnerControls"/>
-    <ds:schemaRef ds:uri="82db8b44-0703-48fc-920e-285d3f66b75e"/>
-  </ds:schemaRefs>
-</ds:datastoreItem>
-</file>
-
 <file path=customXml/itemProps3.xml><?xml version="1.0" encoding="utf-8"?>
 <ds:datastoreItem xmlns:ds="http://schemas.openxmlformats.org/officeDocument/2006/customXml" ds:itemID="{87D2A1B0-FF3E-4009-940D-AED0EB70AA20}">
   <ds:schemaRefs>
